--- a/Slide.pptx
+++ b/Slide.pptx
@@ -247,7 +247,7 @@
           <a:p>
             <a:fld id="{B7268E1E-0E44-426D-905E-8AD9B19D2182}" type="datetimeFigureOut">
               <a:rPr lang="cs-CZ" smtClean="0"/>
-              <a:t>29.07.2024</a:t>
+              <a:t>30.07.2024</a:t>
             </a:fld>
             <a:endParaRPr lang="cs-CZ"/>
           </a:p>
@@ -3073,7 +3073,7 @@
             <a:fld id="{1D8BD707-D9CF-40AE-B4C6-C98DA3205C09}" type="datetimeFigureOut">
               <a:rPr lang="en-US" smtClean="0"/>
               <a:pPr/>
-              <a:t>7/29/2024</a:t>
+              <a:t>7/30/2024</a:t>
             </a:fld>
             <a:endParaRPr lang="en-US"/>
           </a:p>
@@ -3241,7 +3241,7 @@
             <a:fld id="{1D8BD707-D9CF-40AE-B4C6-C98DA3205C09}" type="datetimeFigureOut">
               <a:rPr lang="en-US" smtClean="0"/>
               <a:pPr/>
-              <a:t>7/29/2024</a:t>
+              <a:t>7/30/2024</a:t>
             </a:fld>
             <a:endParaRPr lang="en-US"/>
           </a:p>
@@ -3419,7 +3419,7 @@
             <a:fld id="{1D8BD707-D9CF-40AE-B4C6-C98DA3205C09}" type="datetimeFigureOut">
               <a:rPr lang="en-US" smtClean="0"/>
               <a:pPr/>
-              <a:t>7/29/2024</a:t>
+              <a:t>7/30/2024</a:t>
             </a:fld>
             <a:endParaRPr lang="en-US"/>
           </a:p>
@@ -3587,7 +3587,7 @@
             <a:fld id="{1D8BD707-D9CF-40AE-B4C6-C98DA3205C09}" type="datetimeFigureOut">
               <a:rPr lang="en-US" smtClean="0"/>
               <a:pPr/>
-              <a:t>7/29/2024</a:t>
+              <a:t>7/30/2024</a:t>
             </a:fld>
             <a:endParaRPr lang="en-US"/>
           </a:p>
@@ -3832,7 +3832,7 @@
             <a:fld id="{1D8BD707-D9CF-40AE-B4C6-C98DA3205C09}" type="datetimeFigureOut">
               <a:rPr lang="en-US" smtClean="0"/>
               <a:pPr/>
-              <a:t>7/29/2024</a:t>
+              <a:t>7/30/2024</a:t>
             </a:fld>
             <a:endParaRPr lang="en-US"/>
           </a:p>
@@ -4117,7 +4117,7 @@
             <a:fld id="{1D8BD707-D9CF-40AE-B4C6-C98DA3205C09}" type="datetimeFigureOut">
               <a:rPr lang="en-US" smtClean="0"/>
               <a:pPr/>
-              <a:t>7/29/2024</a:t>
+              <a:t>7/30/2024</a:t>
             </a:fld>
             <a:endParaRPr lang="en-US"/>
           </a:p>
@@ -4536,7 +4536,7 @@
             <a:fld id="{1D8BD707-D9CF-40AE-B4C6-C98DA3205C09}" type="datetimeFigureOut">
               <a:rPr lang="en-US" smtClean="0"/>
               <a:pPr/>
-              <a:t>7/29/2024</a:t>
+              <a:t>7/30/2024</a:t>
             </a:fld>
             <a:endParaRPr lang="en-US"/>
           </a:p>
@@ -4653,7 +4653,7 @@
             <a:fld id="{1D8BD707-D9CF-40AE-B4C6-C98DA3205C09}" type="datetimeFigureOut">
               <a:rPr lang="en-US" smtClean="0"/>
               <a:pPr/>
-              <a:t>7/29/2024</a:t>
+              <a:t>7/30/2024</a:t>
             </a:fld>
             <a:endParaRPr lang="en-US"/>
           </a:p>
@@ -4748,7 +4748,7 @@
             <a:fld id="{1D8BD707-D9CF-40AE-B4C6-C98DA3205C09}" type="datetimeFigureOut">
               <a:rPr lang="en-US" smtClean="0"/>
               <a:pPr/>
-              <a:t>7/29/2024</a:t>
+              <a:t>7/30/2024</a:t>
             </a:fld>
             <a:endParaRPr lang="en-US"/>
           </a:p>
@@ -5023,7 +5023,7 @@
             <a:fld id="{1D8BD707-D9CF-40AE-B4C6-C98DA3205C09}" type="datetimeFigureOut">
               <a:rPr lang="en-US" smtClean="0"/>
               <a:pPr/>
-              <a:t>7/29/2024</a:t>
+              <a:t>7/30/2024</a:t>
             </a:fld>
             <a:endParaRPr lang="en-US"/>
           </a:p>
@@ -5275,7 +5275,7 @@
             <a:fld id="{1D8BD707-D9CF-40AE-B4C6-C98DA3205C09}" type="datetimeFigureOut">
               <a:rPr lang="en-US" smtClean="0"/>
               <a:pPr/>
-              <a:t>7/29/2024</a:t>
+              <a:t>7/30/2024</a:t>
             </a:fld>
             <a:endParaRPr lang="en-US"/>
           </a:p>
@@ -5486,7 +5486,7 @@
             <a:fld id="{1D8BD707-D9CF-40AE-B4C6-C98DA3205C09}" type="datetimeFigureOut">
               <a:rPr lang="en-US" smtClean="0"/>
               <a:pPr/>
-              <a:t>7/29/2024</a:t>
+              <a:t>7/30/2024</a:t>
             </a:fld>
             <a:endParaRPr lang="en-US"/>
           </a:p>
@@ -5868,7 +5868,7 @@
         </p:nvSpPr>
         <p:spPr>
           <a:xfrm>
-            <a:off x="0" y="-467360"/>
+            <a:off x="0" y="0"/>
             <a:ext cx="13004800" cy="7315200"/>
           </a:xfrm>
           <a:custGeom>
@@ -9343,7 +9343,7 @@
         </p:nvSpPr>
         <p:spPr>
           <a:xfrm>
-            <a:off x="0" y="-152400"/>
+            <a:off x="0" y="0"/>
             <a:ext cx="13004800" cy="7315200"/>
           </a:xfrm>
           <a:custGeom>
@@ -10009,7 +10009,7 @@
         </p:nvSpPr>
         <p:spPr>
           <a:xfrm>
-            <a:off x="-558" y="-467360"/>
+            <a:off x="0" y="0"/>
             <a:ext cx="13004800" cy="7315200"/>
           </a:xfrm>
           <a:custGeom>
@@ -11537,7 +11537,7 @@
                 </a:solidFill>
                 <a:latin typeface="Arimo"/>
               </a:rPr>
-              <a:t>Tạo, tham gia, thoát phòng</a:t>
+              <a:t>Tạo phòng</a:t>
             </a:r>
           </a:p>
         </p:txBody>
@@ -11619,7 +11619,7 @@
                 </a:solidFill>
                 <a:latin typeface="Arimo"/>
               </a:rPr>
-              <a:t>Sẵn sàng/ Hủy chơi</a:t>
+              <a:t>Tham gia/ Rời phòng</a:t>
             </a:r>
           </a:p>
         </p:txBody>
@@ -11704,7 +11704,7 @@
                 </a:solidFill>
                 <a:latin typeface="Arimo"/>
               </a:rPr>
-              <a:t>Tấn công tàu</a:t>
+              <a:t>Sẵn sàng/ Tấn công </a:t>
             </a:r>
           </a:p>
         </p:txBody>
@@ -13488,7 +13488,7 @@
         </p:nvSpPr>
         <p:spPr>
           <a:xfrm>
-            <a:off x="0" y="-568960"/>
+            <a:off x="0" y="0"/>
             <a:ext cx="13004800" cy="7315200"/>
           </a:xfrm>
           <a:custGeom>
